--- a/Наработки/диздоки/Либерия/Карта событий.pptx
+++ b/Наработки/диздоки/Либерия/Карта событий.pptx
@@ -109,7 +109,18 @@
   </p:defaultTextStyle>
   <p:extLst>
     <p:ext uri="{EFAFB233-063F-42B5-8137-9DF3F51BA10A}">
-      <p15:sldGuideLst xmlns="" xmlns:p15="http://schemas.microsoft.com/office/powerpoint/2012/main"/>
+      <p15:sldGuideLst xmlns:p15="http://schemas.microsoft.com/office/powerpoint/2012/main">
+        <p15:guide id="1" orient="horz" pos="11344">
+          <p15:clr>
+            <a:srgbClr val="A4A3A4"/>
+          </p15:clr>
+        </p15:guide>
+        <p15:guide id="2" pos="16127">
+          <p15:clr>
+            <a:srgbClr val="A4A3A4"/>
+          </p15:clr>
+        </p15:guide>
+      </p15:sldGuideLst>
     </p:ext>
   </p:extLst>
 </p:presentation>
@@ -198,7 +209,7 @@
             <a:fld id="{33E3D7F9-E251-484C-A6FF-FA958879DF69}" type="datetimeFigureOut">
               <a:rPr lang="ru-RU" smtClean="0"/>
               <a:pPr/>
-              <a:t>14.12.2019</a:t>
+              <a:t>21.11.2022</a:t>
             </a:fld>
             <a:endParaRPr lang="ru-RU"/>
           </a:p>
@@ -262,38 +273,37 @@
           <a:p>
             <a:pPr lvl="0"/>
             <a:r>
-              <a:rPr lang="ru-RU" smtClean="0"/>
+              <a:rPr lang="ru-RU"/>
               <a:t>Образец текста</a:t>
             </a:r>
           </a:p>
           <a:p>
             <a:pPr lvl="1"/>
             <a:r>
-              <a:rPr lang="ru-RU" smtClean="0"/>
+              <a:rPr lang="ru-RU"/>
               <a:t>Второй уровень</a:t>
             </a:r>
           </a:p>
           <a:p>
             <a:pPr lvl="2"/>
             <a:r>
-              <a:rPr lang="ru-RU" smtClean="0"/>
+              <a:rPr lang="ru-RU"/>
               <a:t>Третий уровень</a:t>
             </a:r>
           </a:p>
           <a:p>
             <a:pPr lvl="3"/>
             <a:r>
-              <a:rPr lang="ru-RU" smtClean="0"/>
+              <a:rPr lang="ru-RU"/>
               <a:t>Четвертый уровень</a:t>
             </a:r>
           </a:p>
           <a:p>
             <a:pPr lvl="4"/>
             <a:r>
-              <a:rPr lang="ru-RU" smtClean="0"/>
+              <a:rPr lang="ru-RU"/>
               <a:t>Пятый уровень</a:t>
             </a:r>
-            <a:endParaRPr lang="ru-RU"/>
           </a:p>
         </p:txBody>
       </p:sp>
@@ -367,7 +377,7 @@
     </p:spTree>
     <p:extLst>
       <p:ext uri="{BB962C8B-B14F-4D97-AF65-F5344CB8AC3E}">
-        <p14:creationId xmlns="" xmlns:p14="http://schemas.microsoft.com/office/powerpoint/2010/main" val="1928360652"/>
+        <p14:creationId xmlns:p14="http://schemas.microsoft.com/office/powerpoint/2010/main" val="1928360652"/>
       </p:ext>
     </p:extLst>
   </p:cSld>
@@ -547,7 +557,7 @@
     </p:spTree>
     <p:extLst>
       <p:ext uri="{BB962C8B-B14F-4D97-AF65-F5344CB8AC3E}">
-        <p14:creationId xmlns="" xmlns:p14="http://schemas.microsoft.com/office/powerpoint/2010/main" val="2397767120"/>
+        <p14:creationId xmlns:p14="http://schemas.microsoft.com/office/powerpoint/2010/main" val="2397767120"/>
       </p:ext>
     </p:extLst>
   </p:cSld>
@@ -599,7 +609,7 @@
           </a:lstStyle>
           <a:p>
             <a:r>
-              <a:rPr lang="ru-RU" smtClean="0"/>
+              <a:rPr lang="ru-RU"/>
               <a:t>Образец заголовка</a:t>
             </a:r>
             <a:endParaRPr lang="en-US" dirty="0"/>
@@ -664,7 +674,7 @@
           </a:lstStyle>
           <a:p>
             <a:r>
-              <a:rPr lang="ru-RU" smtClean="0"/>
+              <a:rPr lang="ru-RU"/>
               <a:t>Образец подзаголовка</a:t>
             </a:r>
             <a:endParaRPr lang="en-US" dirty="0"/>
@@ -689,7 +699,7 @@
             <a:fld id="{85A5DE44-605B-4D3B-B2B7-94543DF81A36}" type="datetimeFigureOut">
               <a:rPr lang="ru-RU" smtClean="0"/>
               <a:pPr/>
-              <a:t>14.12.2019</a:t>
+              <a:t>21.11.2022</a:t>
             </a:fld>
             <a:endParaRPr lang="ru-RU"/>
           </a:p>
@@ -741,7 +751,7 @@
     </p:spTree>
     <p:extLst>
       <p:ext uri="{BB962C8B-B14F-4D97-AF65-F5344CB8AC3E}">
-        <p14:creationId xmlns="" xmlns:p14="http://schemas.microsoft.com/office/powerpoint/2010/main" val="1201854712"/>
+        <p14:creationId xmlns:p14="http://schemas.microsoft.com/office/powerpoint/2010/main" val="1201854712"/>
       </p:ext>
     </p:extLst>
   </p:cSld>
@@ -784,7 +794,7 @@
           <a:lstStyle/>
           <a:p>
             <a:r>
-              <a:rPr lang="ru-RU" smtClean="0"/>
+              <a:rPr lang="ru-RU"/>
               <a:t>Образец заголовка</a:t>
             </a:r>
             <a:endParaRPr lang="en-US" dirty="0"/>
@@ -808,35 +818,35 @@
           <a:p>
             <a:pPr lvl="0"/>
             <a:r>
-              <a:rPr lang="ru-RU" smtClean="0"/>
+              <a:rPr lang="ru-RU"/>
               <a:t>Образец текста</a:t>
             </a:r>
           </a:p>
           <a:p>
             <a:pPr lvl="1"/>
             <a:r>
-              <a:rPr lang="ru-RU" smtClean="0"/>
+              <a:rPr lang="ru-RU"/>
               <a:t>Второй уровень</a:t>
             </a:r>
           </a:p>
           <a:p>
             <a:pPr lvl="2"/>
             <a:r>
-              <a:rPr lang="ru-RU" smtClean="0"/>
+              <a:rPr lang="ru-RU"/>
               <a:t>Третий уровень</a:t>
             </a:r>
           </a:p>
           <a:p>
             <a:pPr lvl="3"/>
             <a:r>
-              <a:rPr lang="ru-RU" smtClean="0"/>
+              <a:rPr lang="ru-RU"/>
               <a:t>Четвертый уровень</a:t>
             </a:r>
           </a:p>
           <a:p>
             <a:pPr lvl="4"/>
             <a:r>
-              <a:rPr lang="ru-RU" smtClean="0"/>
+              <a:rPr lang="ru-RU"/>
               <a:t>Пятый уровень</a:t>
             </a:r>
             <a:endParaRPr lang="en-US" dirty="0"/>
@@ -861,7 +871,7 @@
             <a:fld id="{85A5DE44-605B-4D3B-B2B7-94543DF81A36}" type="datetimeFigureOut">
               <a:rPr lang="ru-RU" smtClean="0"/>
               <a:pPr/>
-              <a:t>14.12.2019</a:t>
+              <a:t>21.11.2022</a:t>
             </a:fld>
             <a:endParaRPr lang="ru-RU"/>
           </a:p>
@@ -913,7 +923,7 @@
     </p:spTree>
     <p:extLst>
       <p:ext uri="{BB962C8B-B14F-4D97-AF65-F5344CB8AC3E}">
-        <p14:creationId xmlns="" xmlns:p14="http://schemas.microsoft.com/office/powerpoint/2010/main" val="2587197011"/>
+        <p14:creationId xmlns:p14="http://schemas.microsoft.com/office/powerpoint/2010/main" val="2587197011"/>
       </p:ext>
     </p:extLst>
   </p:cSld>
@@ -961,7 +971,7 @@
           <a:lstStyle/>
           <a:p>
             <a:r>
-              <a:rPr lang="ru-RU" smtClean="0"/>
+              <a:rPr lang="ru-RU"/>
               <a:t>Образец заголовка</a:t>
             </a:r>
             <a:endParaRPr lang="en-US" dirty="0"/>
@@ -990,35 +1000,35 @@
           <a:p>
             <a:pPr lvl="0"/>
             <a:r>
-              <a:rPr lang="ru-RU" smtClean="0"/>
+              <a:rPr lang="ru-RU"/>
               <a:t>Образец текста</a:t>
             </a:r>
           </a:p>
           <a:p>
             <a:pPr lvl="1"/>
             <a:r>
-              <a:rPr lang="ru-RU" smtClean="0"/>
+              <a:rPr lang="ru-RU"/>
               <a:t>Второй уровень</a:t>
             </a:r>
           </a:p>
           <a:p>
             <a:pPr lvl="2"/>
             <a:r>
-              <a:rPr lang="ru-RU" smtClean="0"/>
+              <a:rPr lang="ru-RU"/>
               <a:t>Третий уровень</a:t>
             </a:r>
           </a:p>
           <a:p>
             <a:pPr lvl="3"/>
             <a:r>
-              <a:rPr lang="ru-RU" smtClean="0"/>
+              <a:rPr lang="ru-RU"/>
               <a:t>Четвертый уровень</a:t>
             </a:r>
           </a:p>
           <a:p>
             <a:pPr lvl="4"/>
             <a:r>
-              <a:rPr lang="ru-RU" smtClean="0"/>
+              <a:rPr lang="ru-RU"/>
               <a:t>Пятый уровень</a:t>
             </a:r>
             <a:endParaRPr lang="en-US" dirty="0"/>
@@ -1043,7 +1053,7 @@
             <a:fld id="{85A5DE44-605B-4D3B-B2B7-94543DF81A36}" type="datetimeFigureOut">
               <a:rPr lang="ru-RU" smtClean="0"/>
               <a:pPr/>
-              <a:t>14.12.2019</a:t>
+              <a:t>21.11.2022</a:t>
             </a:fld>
             <a:endParaRPr lang="ru-RU"/>
           </a:p>
@@ -1095,7 +1105,7 @@
     </p:spTree>
     <p:extLst>
       <p:ext uri="{BB962C8B-B14F-4D97-AF65-F5344CB8AC3E}">
-        <p14:creationId xmlns="" xmlns:p14="http://schemas.microsoft.com/office/powerpoint/2010/main" val="2729497684"/>
+        <p14:creationId xmlns:p14="http://schemas.microsoft.com/office/powerpoint/2010/main" val="2729497684"/>
       </p:ext>
     </p:extLst>
   </p:cSld>
@@ -1138,7 +1148,7 @@
           <a:lstStyle/>
           <a:p>
             <a:r>
-              <a:rPr lang="ru-RU" smtClean="0"/>
+              <a:rPr lang="ru-RU"/>
               <a:t>Образец заголовка</a:t>
             </a:r>
             <a:endParaRPr lang="en-US" dirty="0"/>
@@ -1162,35 +1172,35 @@
           <a:p>
             <a:pPr lvl="0"/>
             <a:r>
-              <a:rPr lang="ru-RU" smtClean="0"/>
+              <a:rPr lang="ru-RU"/>
               <a:t>Образец текста</a:t>
             </a:r>
           </a:p>
           <a:p>
             <a:pPr lvl="1"/>
             <a:r>
-              <a:rPr lang="ru-RU" smtClean="0"/>
+              <a:rPr lang="ru-RU"/>
               <a:t>Второй уровень</a:t>
             </a:r>
           </a:p>
           <a:p>
             <a:pPr lvl="2"/>
             <a:r>
-              <a:rPr lang="ru-RU" smtClean="0"/>
+              <a:rPr lang="ru-RU"/>
               <a:t>Третий уровень</a:t>
             </a:r>
           </a:p>
           <a:p>
             <a:pPr lvl="3"/>
             <a:r>
-              <a:rPr lang="ru-RU" smtClean="0"/>
+              <a:rPr lang="ru-RU"/>
               <a:t>Четвертый уровень</a:t>
             </a:r>
           </a:p>
           <a:p>
             <a:pPr lvl="4"/>
             <a:r>
-              <a:rPr lang="ru-RU" smtClean="0"/>
+              <a:rPr lang="ru-RU"/>
               <a:t>Пятый уровень</a:t>
             </a:r>
             <a:endParaRPr lang="en-US" dirty="0"/>
@@ -1215,7 +1225,7 @@
             <a:fld id="{85A5DE44-605B-4D3B-B2B7-94543DF81A36}" type="datetimeFigureOut">
               <a:rPr lang="ru-RU" smtClean="0"/>
               <a:pPr/>
-              <a:t>14.12.2019</a:t>
+              <a:t>21.11.2022</a:t>
             </a:fld>
             <a:endParaRPr lang="ru-RU"/>
           </a:p>
@@ -1267,7 +1277,7 @@
     </p:spTree>
     <p:extLst>
       <p:ext uri="{BB962C8B-B14F-4D97-AF65-F5344CB8AC3E}">
-        <p14:creationId xmlns="" xmlns:p14="http://schemas.microsoft.com/office/powerpoint/2010/main" val="813552025"/>
+        <p14:creationId xmlns:p14="http://schemas.microsoft.com/office/powerpoint/2010/main" val="813552025"/>
       </p:ext>
     </p:extLst>
   </p:cSld>
@@ -1319,7 +1329,7 @@
           </a:lstStyle>
           <a:p>
             <a:r>
-              <a:rPr lang="ru-RU" smtClean="0"/>
+              <a:rPr lang="ru-RU"/>
               <a:t>Образец заголовка</a:t>
             </a:r>
             <a:endParaRPr lang="en-US" dirty="0"/>
@@ -1439,7 +1449,7 @@
           <a:p>
             <a:pPr lvl="0"/>
             <a:r>
-              <a:rPr lang="ru-RU" smtClean="0"/>
+              <a:rPr lang="ru-RU"/>
               <a:t>Образец текста</a:t>
             </a:r>
           </a:p>
@@ -1463,7 +1473,7 @@
             <a:fld id="{85A5DE44-605B-4D3B-B2B7-94543DF81A36}" type="datetimeFigureOut">
               <a:rPr lang="ru-RU" smtClean="0"/>
               <a:pPr/>
-              <a:t>14.12.2019</a:t>
+              <a:t>21.11.2022</a:t>
             </a:fld>
             <a:endParaRPr lang="ru-RU"/>
           </a:p>
@@ -1515,7 +1525,7 @@
     </p:spTree>
     <p:extLst>
       <p:ext uri="{BB962C8B-B14F-4D97-AF65-F5344CB8AC3E}">
-        <p14:creationId xmlns="" xmlns:p14="http://schemas.microsoft.com/office/powerpoint/2010/main" val="1817244299"/>
+        <p14:creationId xmlns:p14="http://schemas.microsoft.com/office/powerpoint/2010/main" val="1817244299"/>
       </p:ext>
     </p:extLst>
   </p:cSld>
@@ -1558,7 +1568,7 @@
           <a:lstStyle/>
           <a:p>
             <a:r>
-              <a:rPr lang="ru-RU" smtClean="0"/>
+              <a:rPr lang="ru-RU"/>
               <a:t>Образец заголовка</a:t>
             </a:r>
             <a:endParaRPr lang="en-US" dirty="0"/>
@@ -1587,35 +1597,35 @@
           <a:p>
             <a:pPr lvl="0"/>
             <a:r>
-              <a:rPr lang="ru-RU" smtClean="0"/>
+              <a:rPr lang="ru-RU"/>
               <a:t>Образец текста</a:t>
             </a:r>
           </a:p>
           <a:p>
             <a:pPr lvl="1"/>
             <a:r>
-              <a:rPr lang="ru-RU" smtClean="0"/>
+              <a:rPr lang="ru-RU"/>
               <a:t>Второй уровень</a:t>
             </a:r>
           </a:p>
           <a:p>
             <a:pPr lvl="2"/>
             <a:r>
-              <a:rPr lang="ru-RU" smtClean="0"/>
+              <a:rPr lang="ru-RU"/>
               <a:t>Третий уровень</a:t>
             </a:r>
           </a:p>
           <a:p>
             <a:pPr lvl="3"/>
             <a:r>
-              <a:rPr lang="ru-RU" smtClean="0"/>
+              <a:rPr lang="ru-RU"/>
               <a:t>Четвертый уровень</a:t>
             </a:r>
           </a:p>
           <a:p>
             <a:pPr lvl="4"/>
             <a:r>
-              <a:rPr lang="ru-RU" smtClean="0"/>
+              <a:rPr lang="ru-RU"/>
               <a:t>Пятый уровень</a:t>
             </a:r>
             <a:endParaRPr lang="en-US" dirty="0"/>
@@ -1644,35 +1654,35 @@
           <a:p>
             <a:pPr lvl="0"/>
             <a:r>
-              <a:rPr lang="ru-RU" smtClean="0"/>
+              <a:rPr lang="ru-RU"/>
               <a:t>Образец текста</a:t>
             </a:r>
           </a:p>
           <a:p>
             <a:pPr lvl="1"/>
             <a:r>
-              <a:rPr lang="ru-RU" smtClean="0"/>
+              <a:rPr lang="ru-RU"/>
               <a:t>Второй уровень</a:t>
             </a:r>
           </a:p>
           <a:p>
             <a:pPr lvl="2"/>
             <a:r>
-              <a:rPr lang="ru-RU" smtClean="0"/>
+              <a:rPr lang="ru-RU"/>
               <a:t>Третий уровень</a:t>
             </a:r>
           </a:p>
           <a:p>
             <a:pPr lvl="3"/>
             <a:r>
-              <a:rPr lang="ru-RU" smtClean="0"/>
+              <a:rPr lang="ru-RU"/>
               <a:t>Четвертый уровень</a:t>
             </a:r>
           </a:p>
           <a:p>
             <a:pPr lvl="4"/>
             <a:r>
-              <a:rPr lang="ru-RU" smtClean="0"/>
+              <a:rPr lang="ru-RU"/>
               <a:t>Пятый уровень</a:t>
             </a:r>
             <a:endParaRPr lang="en-US" dirty="0"/>
@@ -1697,7 +1707,7 @@
             <a:fld id="{85A5DE44-605B-4D3B-B2B7-94543DF81A36}" type="datetimeFigureOut">
               <a:rPr lang="ru-RU" smtClean="0"/>
               <a:pPr/>
-              <a:t>14.12.2019</a:t>
+              <a:t>21.11.2022</a:t>
             </a:fld>
             <a:endParaRPr lang="ru-RU"/>
           </a:p>
@@ -1749,7 +1759,7 @@
     </p:spTree>
     <p:extLst>
       <p:ext uri="{BB962C8B-B14F-4D97-AF65-F5344CB8AC3E}">
-        <p14:creationId xmlns="" xmlns:p14="http://schemas.microsoft.com/office/powerpoint/2010/main" val="635467586"/>
+        <p14:creationId xmlns:p14="http://schemas.microsoft.com/office/powerpoint/2010/main" val="635467586"/>
       </p:ext>
     </p:extLst>
   </p:cSld>
@@ -1797,7 +1807,7 @@
           <a:lstStyle/>
           <a:p>
             <a:r>
-              <a:rPr lang="ru-RU" smtClean="0"/>
+              <a:rPr lang="ru-RU"/>
               <a:t>Образец заголовка</a:t>
             </a:r>
             <a:endParaRPr lang="en-US" dirty="0"/>
@@ -1863,7 +1873,7 @@
           <a:p>
             <a:pPr lvl="0"/>
             <a:r>
-              <a:rPr lang="ru-RU" smtClean="0"/>
+              <a:rPr lang="ru-RU"/>
               <a:t>Образец текста</a:t>
             </a:r>
           </a:p>
@@ -1891,35 +1901,35 @@
           <a:p>
             <a:pPr lvl="0"/>
             <a:r>
-              <a:rPr lang="ru-RU" smtClean="0"/>
+              <a:rPr lang="ru-RU"/>
               <a:t>Образец текста</a:t>
             </a:r>
           </a:p>
           <a:p>
             <a:pPr lvl="1"/>
             <a:r>
-              <a:rPr lang="ru-RU" smtClean="0"/>
+              <a:rPr lang="ru-RU"/>
               <a:t>Второй уровень</a:t>
             </a:r>
           </a:p>
           <a:p>
             <a:pPr lvl="2"/>
             <a:r>
-              <a:rPr lang="ru-RU" smtClean="0"/>
+              <a:rPr lang="ru-RU"/>
               <a:t>Третий уровень</a:t>
             </a:r>
           </a:p>
           <a:p>
             <a:pPr lvl="3"/>
             <a:r>
-              <a:rPr lang="ru-RU" smtClean="0"/>
+              <a:rPr lang="ru-RU"/>
               <a:t>Четвертый уровень</a:t>
             </a:r>
           </a:p>
           <a:p>
             <a:pPr lvl="4"/>
             <a:r>
-              <a:rPr lang="ru-RU" smtClean="0"/>
+              <a:rPr lang="ru-RU"/>
               <a:t>Пятый уровень</a:t>
             </a:r>
             <a:endParaRPr lang="en-US" dirty="0"/>
@@ -1985,7 +1995,7 @@
           <a:p>
             <a:pPr lvl="0"/>
             <a:r>
-              <a:rPr lang="ru-RU" smtClean="0"/>
+              <a:rPr lang="ru-RU"/>
               <a:t>Образец текста</a:t>
             </a:r>
           </a:p>
@@ -2013,35 +2023,35 @@
           <a:p>
             <a:pPr lvl="0"/>
             <a:r>
-              <a:rPr lang="ru-RU" smtClean="0"/>
+              <a:rPr lang="ru-RU"/>
               <a:t>Образец текста</a:t>
             </a:r>
           </a:p>
           <a:p>
             <a:pPr lvl="1"/>
             <a:r>
-              <a:rPr lang="ru-RU" smtClean="0"/>
+              <a:rPr lang="ru-RU"/>
               <a:t>Второй уровень</a:t>
             </a:r>
           </a:p>
           <a:p>
             <a:pPr lvl="2"/>
             <a:r>
-              <a:rPr lang="ru-RU" smtClean="0"/>
+              <a:rPr lang="ru-RU"/>
               <a:t>Третий уровень</a:t>
             </a:r>
           </a:p>
           <a:p>
             <a:pPr lvl="3"/>
             <a:r>
-              <a:rPr lang="ru-RU" smtClean="0"/>
+              <a:rPr lang="ru-RU"/>
               <a:t>Четвертый уровень</a:t>
             </a:r>
           </a:p>
           <a:p>
             <a:pPr lvl="4"/>
             <a:r>
-              <a:rPr lang="ru-RU" smtClean="0"/>
+              <a:rPr lang="ru-RU"/>
               <a:t>Пятый уровень</a:t>
             </a:r>
             <a:endParaRPr lang="en-US" dirty="0"/>
@@ -2066,7 +2076,7 @@
             <a:fld id="{85A5DE44-605B-4D3B-B2B7-94543DF81A36}" type="datetimeFigureOut">
               <a:rPr lang="ru-RU" smtClean="0"/>
               <a:pPr/>
-              <a:t>14.12.2019</a:t>
+              <a:t>21.11.2022</a:t>
             </a:fld>
             <a:endParaRPr lang="ru-RU"/>
           </a:p>
@@ -2118,7 +2128,7 @@
     </p:spTree>
     <p:extLst>
       <p:ext uri="{BB962C8B-B14F-4D97-AF65-F5344CB8AC3E}">
-        <p14:creationId xmlns="" xmlns:p14="http://schemas.microsoft.com/office/powerpoint/2010/main" val="3995563606"/>
+        <p14:creationId xmlns:p14="http://schemas.microsoft.com/office/powerpoint/2010/main" val="3995563606"/>
       </p:ext>
     </p:extLst>
   </p:cSld>
@@ -2161,7 +2171,7 @@
           <a:lstStyle/>
           <a:p>
             <a:r>
-              <a:rPr lang="ru-RU" smtClean="0"/>
+              <a:rPr lang="ru-RU"/>
               <a:t>Образец заголовка</a:t>
             </a:r>
             <a:endParaRPr lang="en-US" dirty="0"/>
@@ -2186,7 +2196,7 @@
             <a:fld id="{85A5DE44-605B-4D3B-B2B7-94543DF81A36}" type="datetimeFigureOut">
               <a:rPr lang="ru-RU" smtClean="0"/>
               <a:pPr/>
-              <a:t>14.12.2019</a:t>
+              <a:t>21.11.2022</a:t>
             </a:fld>
             <a:endParaRPr lang="ru-RU"/>
           </a:p>
@@ -2238,7 +2248,7 @@
     </p:spTree>
     <p:extLst>
       <p:ext uri="{BB962C8B-B14F-4D97-AF65-F5344CB8AC3E}">
-        <p14:creationId xmlns="" xmlns:p14="http://schemas.microsoft.com/office/powerpoint/2010/main" val="1827486368"/>
+        <p14:creationId xmlns:p14="http://schemas.microsoft.com/office/powerpoint/2010/main" val="1827486368"/>
       </p:ext>
     </p:extLst>
   </p:cSld>
@@ -2283,7 +2293,7 @@
             <a:fld id="{85A5DE44-605B-4D3B-B2B7-94543DF81A36}" type="datetimeFigureOut">
               <a:rPr lang="ru-RU" smtClean="0"/>
               <a:pPr/>
-              <a:t>14.12.2019</a:t>
+              <a:t>21.11.2022</a:t>
             </a:fld>
             <a:endParaRPr lang="ru-RU"/>
           </a:p>
@@ -2335,7 +2345,7 @@
     </p:spTree>
     <p:extLst>
       <p:ext uri="{BB962C8B-B14F-4D97-AF65-F5344CB8AC3E}">
-        <p14:creationId xmlns="" xmlns:p14="http://schemas.microsoft.com/office/powerpoint/2010/main" val="2291083481"/>
+        <p14:creationId xmlns:p14="http://schemas.microsoft.com/office/powerpoint/2010/main" val="2291083481"/>
       </p:ext>
     </p:extLst>
   </p:cSld>
@@ -2387,7 +2397,7 @@
           </a:lstStyle>
           <a:p>
             <a:r>
-              <a:rPr lang="ru-RU" smtClean="0"/>
+              <a:rPr lang="ru-RU"/>
               <a:t>Образец заголовка</a:t>
             </a:r>
             <a:endParaRPr lang="en-US" dirty="0"/>
@@ -2444,35 +2454,35 @@
           <a:p>
             <a:pPr lvl="0"/>
             <a:r>
-              <a:rPr lang="ru-RU" smtClean="0"/>
+              <a:rPr lang="ru-RU"/>
               <a:t>Образец текста</a:t>
             </a:r>
           </a:p>
           <a:p>
             <a:pPr lvl="1"/>
             <a:r>
-              <a:rPr lang="ru-RU" smtClean="0"/>
+              <a:rPr lang="ru-RU"/>
               <a:t>Второй уровень</a:t>
             </a:r>
           </a:p>
           <a:p>
             <a:pPr lvl="2"/>
             <a:r>
-              <a:rPr lang="ru-RU" smtClean="0"/>
+              <a:rPr lang="ru-RU"/>
               <a:t>Третий уровень</a:t>
             </a:r>
           </a:p>
           <a:p>
             <a:pPr lvl="3"/>
             <a:r>
-              <a:rPr lang="ru-RU" smtClean="0"/>
+              <a:rPr lang="ru-RU"/>
               <a:t>Четвертый уровень</a:t>
             </a:r>
           </a:p>
           <a:p>
             <a:pPr lvl="4"/>
             <a:r>
-              <a:rPr lang="ru-RU" smtClean="0"/>
+              <a:rPr lang="ru-RU"/>
               <a:t>Пятый уровень</a:t>
             </a:r>
             <a:endParaRPr lang="en-US" dirty="0"/>
@@ -2538,7 +2548,7 @@
           <a:p>
             <a:pPr lvl="0"/>
             <a:r>
-              <a:rPr lang="ru-RU" smtClean="0"/>
+              <a:rPr lang="ru-RU"/>
               <a:t>Образец текста</a:t>
             </a:r>
           </a:p>
@@ -2562,7 +2572,7 @@
             <a:fld id="{85A5DE44-605B-4D3B-B2B7-94543DF81A36}" type="datetimeFigureOut">
               <a:rPr lang="ru-RU" smtClean="0"/>
               <a:pPr/>
-              <a:t>14.12.2019</a:t>
+              <a:t>21.11.2022</a:t>
             </a:fld>
             <a:endParaRPr lang="ru-RU"/>
           </a:p>
@@ -2614,7 +2624,7 @@
     </p:spTree>
     <p:extLst>
       <p:ext uri="{BB962C8B-B14F-4D97-AF65-F5344CB8AC3E}">
-        <p14:creationId xmlns="" xmlns:p14="http://schemas.microsoft.com/office/powerpoint/2010/main" val="3369452162"/>
+        <p14:creationId xmlns:p14="http://schemas.microsoft.com/office/powerpoint/2010/main" val="3369452162"/>
       </p:ext>
     </p:extLst>
   </p:cSld>
@@ -2666,7 +2676,7 @@
           </a:lstStyle>
           <a:p>
             <a:r>
-              <a:rPr lang="ru-RU" smtClean="0"/>
+              <a:rPr lang="ru-RU"/>
               <a:t>Образец заголовка</a:t>
             </a:r>
             <a:endParaRPr lang="en-US" dirty="0"/>
@@ -2731,7 +2741,7 @@
           </a:lstStyle>
           <a:p>
             <a:r>
-              <a:rPr lang="ru-RU" smtClean="0"/>
+              <a:rPr lang="ru-RU"/>
               <a:t>Вставка рисунка</a:t>
             </a:r>
             <a:endParaRPr lang="en-US" dirty="0"/>
@@ -2797,7 +2807,7 @@
           <a:p>
             <a:pPr lvl="0"/>
             <a:r>
-              <a:rPr lang="ru-RU" smtClean="0"/>
+              <a:rPr lang="ru-RU"/>
               <a:t>Образец текста</a:t>
             </a:r>
           </a:p>
@@ -2821,7 +2831,7 @@
             <a:fld id="{85A5DE44-605B-4D3B-B2B7-94543DF81A36}" type="datetimeFigureOut">
               <a:rPr lang="ru-RU" smtClean="0"/>
               <a:pPr/>
-              <a:t>14.12.2019</a:t>
+              <a:t>21.11.2022</a:t>
             </a:fld>
             <a:endParaRPr lang="ru-RU"/>
           </a:p>
@@ -2873,7 +2883,7 @@
     </p:spTree>
     <p:extLst>
       <p:ext uri="{BB962C8B-B14F-4D97-AF65-F5344CB8AC3E}">
-        <p14:creationId xmlns="" xmlns:p14="http://schemas.microsoft.com/office/powerpoint/2010/main" val="1742075268"/>
+        <p14:creationId xmlns:p14="http://schemas.microsoft.com/office/powerpoint/2010/main" val="1742075268"/>
       </p:ext>
     </p:extLst>
   </p:cSld>
@@ -2931,7 +2941,7 @@
           <a:lstStyle/>
           <a:p>
             <a:r>
-              <a:rPr lang="ru-RU" smtClean="0"/>
+              <a:rPr lang="ru-RU"/>
               <a:t>Образец заголовка</a:t>
             </a:r>
             <a:endParaRPr lang="en-US" dirty="0"/>
@@ -2965,35 +2975,35 @@
           <a:p>
             <a:pPr lvl="0"/>
             <a:r>
-              <a:rPr lang="ru-RU" smtClean="0"/>
+              <a:rPr lang="ru-RU"/>
               <a:t>Образец текста</a:t>
             </a:r>
           </a:p>
           <a:p>
             <a:pPr lvl="1"/>
             <a:r>
-              <a:rPr lang="ru-RU" smtClean="0"/>
+              <a:rPr lang="ru-RU"/>
               <a:t>Второй уровень</a:t>
             </a:r>
           </a:p>
           <a:p>
             <a:pPr lvl="2"/>
             <a:r>
-              <a:rPr lang="ru-RU" smtClean="0"/>
+              <a:rPr lang="ru-RU"/>
               <a:t>Третий уровень</a:t>
             </a:r>
           </a:p>
           <a:p>
             <a:pPr lvl="3"/>
             <a:r>
-              <a:rPr lang="ru-RU" smtClean="0"/>
+              <a:rPr lang="ru-RU"/>
               <a:t>Четвертый уровень</a:t>
             </a:r>
           </a:p>
           <a:p>
             <a:pPr lvl="4"/>
             <a:r>
-              <a:rPr lang="ru-RU" smtClean="0"/>
+              <a:rPr lang="ru-RU"/>
               <a:t>Пятый уровень</a:t>
             </a:r>
             <a:endParaRPr lang="en-US" dirty="0"/>
@@ -3036,7 +3046,7 @@
             <a:fld id="{85A5DE44-605B-4D3B-B2B7-94543DF81A36}" type="datetimeFigureOut">
               <a:rPr lang="ru-RU" smtClean="0"/>
               <a:pPr/>
-              <a:t>14.12.2019</a:t>
+              <a:t>21.11.2022</a:t>
             </a:fld>
             <a:endParaRPr lang="ru-RU"/>
           </a:p>
@@ -3124,7 +3134,7 @@
     </p:spTree>
     <p:extLst>
       <p:ext uri="{BB962C8B-B14F-4D97-AF65-F5344CB8AC3E}">
-        <p14:creationId xmlns="" xmlns:p14="http://schemas.microsoft.com/office/powerpoint/2010/main" val="1744105568"/>
+        <p14:creationId xmlns:p14="http://schemas.microsoft.com/office/powerpoint/2010/main" val="1744105568"/>
       </p:ext>
     </p:extLst>
   </p:cSld>
@@ -3483,21 +3493,13 @@
           <a:p>
             <a:pPr algn="ctr"/>
             <a:r>
-              <a:rPr lang="ru-RU" sz="1400" dirty="0" smtClean="0"/>
-              <a:t>Продолжение курса (+</a:t>
-            </a:r>
-            <a:r>
               <a:rPr lang="ru-RU" sz="1400" dirty="0"/>
-              <a:t>10% к стабильности, +200 к </a:t>
-            </a:r>
-            <a:r>
-              <a:rPr lang="ru-RU" sz="1400" dirty="0" smtClean="0"/>
-              <a:t>полит.власти) (исторично)</a:t>
+              <a:t>Продолжение курса (+10% к стабильности, +200 к полит.власти) (исторично)</a:t>
             </a:r>
           </a:p>
           <a:p>
             <a:pPr algn="ctr"/>
-            <a:endParaRPr lang="ru-RU" sz="1400" dirty="0" smtClean="0"/>
+            <a:endParaRPr lang="ru-RU" sz="1400" dirty="0"/>
           </a:p>
         </p:txBody>
       </p:sp>
@@ -3537,11 +3539,11 @@
           <a:p>
             <a:pPr algn="ctr"/>
             <a:r>
-              <a:rPr lang="ru-RU" sz="1400" dirty="0" smtClean="0"/>
+              <a:rPr lang="ru-RU" sz="1400" dirty="0"/>
               <a:t>Вызов </a:t>
             </a:r>
             <a:r>
-              <a:rPr lang="ru-RU" sz="1400" dirty="0" err="1" smtClean="0"/>
+              <a:rPr lang="ru-RU" sz="1400" dirty="0" err="1"/>
               <a:t>Нимли</a:t>
             </a:r>
             <a:endParaRPr lang="ru-RU" sz="1400" dirty="0"/>
@@ -3591,10 +3593,9 @@
           <a:p>
             <a:pPr algn="ctr"/>
             <a:r>
-              <a:rPr lang="ru-RU" sz="1400" dirty="0" smtClean="0"/>
+              <a:rPr lang="ru-RU" sz="1400" dirty="0"/>
               <a:t>Консульский переворот</a:t>
             </a:r>
-            <a:endParaRPr lang="ru-RU" sz="1400" dirty="0"/>
           </a:p>
         </p:txBody>
       </p:sp>
@@ -3672,18 +3673,17 @@
           <a:p>
             <a:pPr algn="ctr"/>
             <a:r>
-              <a:rPr lang="ru-RU" sz="1400" dirty="0" smtClean="0"/>
+              <a:rPr lang="ru-RU" sz="1400" dirty="0"/>
               <a:t>Арест </a:t>
             </a:r>
             <a:r>
-              <a:rPr lang="ru-RU" sz="1400" dirty="0" err="1" smtClean="0"/>
+              <a:rPr lang="ru-RU" sz="1400" dirty="0" err="1"/>
               <a:t>Нимли</a:t>
             </a:r>
             <a:r>
-              <a:rPr lang="ru-RU" sz="1400" dirty="0" smtClean="0"/>
+              <a:rPr lang="ru-RU" sz="1400" dirty="0"/>
               <a:t>(исторично)</a:t>
             </a:r>
-            <a:endParaRPr lang="ru-RU" sz="1400" dirty="0"/>
           </a:p>
         </p:txBody>
       </p:sp>
@@ -3723,11 +3723,11 @@
           <a:p>
             <a:pPr algn="ctr"/>
             <a:r>
-              <a:rPr lang="ru-RU" sz="1400" dirty="0" smtClean="0"/>
+              <a:rPr lang="ru-RU" sz="1400" dirty="0"/>
               <a:t>Вылет </a:t>
             </a:r>
             <a:r>
-              <a:rPr lang="ru-RU" sz="1400" dirty="0" err="1" smtClean="0"/>
+              <a:rPr lang="ru-RU" sz="1400" dirty="0" err="1"/>
               <a:t>Нимли</a:t>
             </a:r>
             <a:endParaRPr lang="ru-RU" sz="1400" dirty="0"/>
@@ -3808,7 +3808,7 @@
           <a:p>
             <a:pPr algn="ctr"/>
             <a:r>
-              <a:rPr lang="ru-RU" sz="1400" dirty="0" smtClean="0"/>
+              <a:rPr lang="ru-RU" sz="1400" dirty="0"/>
               <a:t>Новая комиссия из лиги наций</a:t>
             </a:r>
           </a:p>
@@ -3888,7 +3888,7 @@
           <a:p>
             <a:pPr algn="ctr"/>
             <a:r>
-              <a:rPr lang="ru-RU" sz="1400" dirty="0" smtClean="0"/>
+              <a:rPr lang="ru-RU" sz="1400" dirty="0"/>
               <a:t>Результаты Комиссии</a:t>
             </a:r>
           </a:p>
@@ -3930,14 +3930,14 @@
           <a:p>
             <a:pPr algn="ctr"/>
             <a:r>
-              <a:rPr lang="ru-RU" sz="1400" dirty="0" smtClean="0"/>
+              <a:rPr lang="ru-RU" sz="1400" dirty="0"/>
               <a:t>Возвращение </a:t>
             </a:r>
             <a:r>
-              <a:rPr lang="ru-RU" sz="1400" dirty="0" err="1" smtClean="0"/>
+              <a:rPr lang="ru-RU" sz="1400" dirty="0" err="1"/>
               <a:t>Нимли</a:t>
             </a:r>
-            <a:endParaRPr lang="ru-RU" sz="1400" dirty="0" smtClean="0"/>
+            <a:endParaRPr lang="ru-RU" sz="1400" dirty="0"/>
           </a:p>
         </p:txBody>
       </p:sp>
@@ -4062,10 +4062,9 @@
           <a:p>
             <a:pPr algn="ctr"/>
             <a:r>
-              <a:rPr lang="ru-RU" sz="1400" dirty="0" smtClean="0"/>
+              <a:rPr lang="ru-RU" sz="1400" dirty="0"/>
               <a:t>Постановление Лиги Наций(События на поддержку лигами наций(долговые обязательства))</a:t>
             </a:r>
-            <a:endParaRPr lang="ru-RU" sz="1400" dirty="0"/>
           </a:p>
         </p:txBody>
       </p:sp>
@@ -4147,14 +4146,13 @@
               <a:t>Обращение </a:t>
             </a:r>
             <a:r>
-              <a:rPr lang="ru-RU" sz="1400" dirty="0" err="1" smtClean="0"/>
+              <a:rPr lang="ru-RU" sz="1400" dirty="0" err="1"/>
               <a:t>Нимли</a:t>
             </a:r>
             <a:r>
-              <a:rPr lang="ru-RU" sz="1400" dirty="0" smtClean="0"/>
+              <a:rPr lang="ru-RU" sz="1400" dirty="0"/>
               <a:t> Франция</a:t>
             </a:r>
-            <a:endParaRPr lang="ru-RU" sz="1400" dirty="0"/>
           </a:p>
         </p:txBody>
       </p:sp>
@@ -4194,18 +4192,17 @@
           <a:p>
             <a:pPr algn="ctr"/>
             <a:r>
-              <a:rPr lang="ru-RU" sz="1400" dirty="0" smtClean="0"/>
+              <a:rPr lang="ru-RU" sz="1400" dirty="0"/>
               <a:t>Обращение </a:t>
             </a:r>
             <a:r>
-              <a:rPr lang="ru-RU" sz="1400" dirty="0" err="1" smtClean="0"/>
+              <a:rPr lang="ru-RU" sz="1400" dirty="0" err="1"/>
               <a:t>Нимли</a:t>
             </a:r>
             <a:r>
-              <a:rPr lang="ru-RU" sz="1400" dirty="0" smtClean="0"/>
+              <a:rPr lang="ru-RU" sz="1400" dirty="0"/>
               <a:t> США</a:t>
             </a:r>
-            <a:endParaRPr lang="ru-RU" sz="1400" dirty="0"/>
           </a:p>
         </p:txBody>
       </p:sp>
@@ -4249,14 +4246,13 @@
               <a:t>Обращение </a:t>
             </a:r>
             <a:r>
-              <a:rPr lang="ru-RU" sz="1400" dirty="0" err="1" smtClean="0"/>
+              <a:rPr lang="ru-RU" sz="1400" dirty="0" err="1"/>
               <a:t>Нимли</a:t>
             </a:r>
             <a:r>
-              <a:rPr lang="ru-RU" sz="1400" dirty="0" smtClean="0"/>
+              <a:rPr lang="ru-RU" sz="1400" dirty="0"/>
               <a:t> СССР</a:t>
             </a:r>
-            <a:endParaRPr lang="ru-RU" sz="1400" dirty="0"/>
           </a:p>
         </p:txBody>
       </p:sp>
@@ -4520,11 +4516,11 @@
           <a:p>
             <a:pPr algn="ctr"/>
             <a:r>
-              <a:rPr lang="ru-RU" sz="1400" dirty="0" smtClean="0"/>
+              <a:rPr lang="ru-RU" sz="1400" dirty="0"/>
               <a:t>Побег </a:t>
             </a:r>
             <a:r>
-              <a:rPr lang="ru-RU" sz="1400" dirty="0" err="1" smtClean="0"/>
+              <a:rPr lang="ru-RU" sz="1400" dirty="0" err="1"/>
               <a:t>Нимли</a:t>
             </a:r>
             <a:endParaRPr lang="ru-RU" sz="1400" dirty="0"/>
@@ -4605,11 +4601,11 @@
           <a:p>
             <a:pPr algn="ctr"/>
             <a:r>
-              <a:rPr lang="ru-RU" sz="1400" dirty="0" smtClean="0"/>
+              <a:rPr lang="ru-RU" sz="1400" dirty="0"/>
               <a:t>Провал </a:t>
             </a:r>
             <a:r>
-              <a:rPr lang="ru-RU" sz="1400" dirty="0" err="1" smtClean="0"/>
+              <a:rPr lang="ru-RU" sz="1400" dirty="0" err="1"/>
               <a:t>Нимли</a:t>
             </a:r>
             <a:endParaRPr lang="ru-RU" sz="1400" dirty="0"/>
@@ -4690,10 +4686,9 @@
           <a:p>
             <a:pPr algn="ctr"/>
             <a:r>
-              <a:rPr lang="ru-RU" sz="1400" dirty="0" smtClean="0"/>
+              <a:rPr lang="ru-RU" sz="1400" dirty="0"/>
               <a:t>Активность Народной партии (через полгода)</a:t>
             </a:r>
-            <a:endParaRPr lang="ru-RU" sz="1400" dirty="0"/>
           </a:p>
         </p:txBody>
       </p:sp>
@@ -4771,10 +4766,9 @@
           <a:p>
             <a:pPr algn="ctr"/>
             <a:r>
-              <a:rPr lang="ru-RU" sz="1400" dirty="0" smtClean="0"/>
+              <a:rPr lang="ru-RU" sz="1400" dirty="0"/>
               <a:t>Ультиматум народа</a:t>
             </a:r>
-            <a:endParaRPr lang="ru-RU" sz="1400" dirty="0"/>
           </a:p>
         </p:txBody>
       </p:sp>
@@ -4859,10 +4853,9 @@
           <a:p>
             <a:pPr algn="ctr"/>
             <a:r>
-              <a:rPr lang="ru-RU" sz="1400" dirty="0" smtClean="0"/>
+              <a:rPr lang="ru-RU" sz="1400" dirty="0"/>
               <a:t>Разоблачение партии Истинных вигов</a:t>
             </a:r>
-            <a:endParaRPr lang="ru-RU" sz="1400" dirty="0"/>
           </a:p>
         </p:txBody>
       </p:sp>
@@ -4902,10 +4895,9 @@
           <a:p>
             <a:pPr algn="ctr"/>
             <a:r>
-              <a:rPr lang="ru-RU" sz="1400" dirty="0" smtClean="0"/>
+              <a:rPr lang="ru-RU" sz="1400" dirty="0"/>
               <a:t>Последствия митингов</a:t>
             </a:r>
-            <a:endParaRPr lang="ru-RU" sz="1400" dirty="0"/>
           </a:p>
         </p:txBody>
       </p:sp>
@@ -5021,26 +5013,25 @@
           <a:p>
             <a:pPr algn="ctr"/>
             <a:r>
-              <a:rPr lang="ru-RU" sz="1400" dirty="0" smtClean="0"/>
+              <a:rPr lang="ru-RU" sz="1400" dirty="0"/>
               <a:t>Смерть </a:t>
             </a:r>
             <a:r>
-              <a:rPr lang="ru-RU" sz="1400" dirty="0" err="1" smtClean="0"/>
+              <a:rPr lang="ru-RU" sz="1400" dirty="0" err="1"/>
               <a:t>Мамолу</a:t>
             </a:r>
             <a:r>
-              <a:rPr lang="ru-RU" sz="1400" dirty="0" smtClean="0"/>
+              <a:rPr lang="ru-RU" sz="1400" dirty="0"/>
               <a:t> </a:t>
             </a:r>
             <a:r>
-              <a:rPr lang="ru-RU" sz="1400" dirty="0" err="1" smtClean="0"/>
+              <a:rPr lang="ru-RU" sz="1400" dirty="0" err="1"/>
               <a:t>Массакоя</a:t>
             </a:r>
             <a:r>
-              <a:rPr lang="ru-RU" sz="1400" dirty="0" smtClean="0"/>
+              <a:rPr lang="ru-RU" sz="1400" dirty="0"/>
               <a:t> (исторично)</a:t>
             </a:r>
-            <a:endParaRPr lang="ru-RU" sz="1400" dirty="0"/>
           </a:p>
         </p:txBody>
       </p:sp>
@@ -5192,10 +5183,9 @@
           <a:p>
             <a:pPr algn="ctr"/>
             <a:r>
-              <a:rPr lang="ru-RU" sz="1400" dirty="0" smtClean="0"/>
+              <a:rPr lang="ru-RU" sz="1400" dirty="0"/>
               <a:t>Консульская переворот</a:t>
             </a:r>
-            <a:endParaRPr lang="ru-RU" sz="1400" dirty="0"/>
           </a:p>
         </p:txBody>
       </p:sp>
@@ -5235,12 +5225,8 @@
           <a:p>
             <a:pPr algn="ctr"/>
             <a:r>
-              <a:rPr lang="ru-RU" sz="1400" dirty="0" smtClean="0"/>
-              <a:t>Сорванное </a:t>
-            </a:r>
-            <a:r>
-              <a:rPr lang="ru-RU" sz="1400" dirty="0" smtClean="0"/>
-              <a:t>покушение(исторично)</a:t>
+              <a:rPr lang="ru-RU" sz="1400" dirty="0"/>
+              <a:t>Сорванное покушение(исторично)</a:t>
             </a:r>
           </a:p>
           <a:p>
@@ -5437,14 +5423,9 @@
           <a:p>
             <a:pPr algn="ctr"/>
             <a:r>
-              <a:rPr lang="ru-RU" sz="1400" dirty="0" smtClean="0"/>
-              <a:t>Запрос поддержки в перевороте</a:t>
-            </a:r>
-            <a:r>
-              <a:rPr lang="ru-RU" sz="1400" dirty="0" smtClean="0"/>
-              <a:t> </a:t>
-            </a:r>
-            <a:endParaRPr lang="ru-RU" sz="1400" dirty="0"/>
+              <a:rPr lang="ru-RU" sz="1400" dirty="0"/>
+              <a:t>Запрос поддержки в перевороте </a:t>
+            </a:r>
           </a:p>
         </p:txBody>
       </p:sp>
@@ -5522,14 +5503,9 @@
           <a:p>
             <a:pPr algn="ctr"/>
             <a:r>
-              <a:rPr lang="ru-RU" sz="1400" dirty="0" smtClean="0"/>
-              <a:t>Провал</a:t>
-            </a:r>
-            <a:r>
-              <a:rPr lang="ru-RU" sz="1400" dirty="0" smtClean="0"/>
-              <a:t> переворота</a:t>
-            </a:r>
-            <a:endParaRPr lang="ru-RU" sz="1400" dirty="0"/>
+              <a:rPr lang="ru-RU" sz="1400" dirty="0"/>
+              <a:t>Провал переворота</a:t>
+            </a:r>
           </a:p>
         </p:txBody>
       </p:sp>
@@ -5612,20 +5588,13 @@
     </p:spTree>
     <p:extLst>
       <p:ext uri="{BB962C8B-B14F-4D97-AF65-F5344CB8AC3E}">
-        <p14:creationId xmlns="" xmlns:p14="http://schemas.microsoft.com/office/powerpoint/2010/main" val="3113188735"/>
+        <p14:creationId xmlns:p14="http://schemas.microsoft.com/office/powerpoint/2010/main" val="3113188735"/>
       </p:ext>
     </p:extLst>
   </p:cSld>
   <p:clrMapOvr>
     <a:masterClrMapping/>
   </p:clrMapOvr>
-  <p:timing>
-    <p:tnLst>
-      <p:par>
-        <p:cTn id="1" dur="indefinite" restart="never" nodeType="tmRoot"/>
-      </p:par>
-    </p:tnLst>
-  </p:timing>
 </p:sld>
 </file>
 
@@ -5884,7 +5853,7 @@
   <a:extraClrSchemeLst/>
   <a:extLst>
     <a:ext uri="{05A4C25C-085E-4340-85A3-A5531E510DB2}">
-      <thm15:themeFamily xmlns="" xmlns:thm15="http://schemas.microsoft.com/office/thememl/2012/main" name="Office Theme" id="{62F939B6-93AF-4DB8-9C6B-D6C7DFDC589F}" vid="{4A3C46E8-61CC-4603-A589-7422A47A8E4A}"/>
+      <thm15:themeFamily xmlns:thm15="http://schemas.microsoft.com/office/thememl/2012/main" name="Office Theme" id="{62F939B6-93AF-4DB8-9C6B-D6C7DFDC589F}" vid="{4A3C46E8-61CC-4603-A589-7422A47A8E4A}"/>
     </a:ext>
   </a:extLst>
 </a:theme>
@@ -6145,7 +6114,7 @@
   <a:extraClrSchemeLst/>
   <a:extLst>
     <a:ext uri="{05A4C25C-085E-4340-85A3-A5531E510DB2}">
-      <thm15:themeFamily xmlns="" xmlns:thm15="http://schemas.microsoft.com/office/thememl/2012/main" name="Office Theme" id="{62F939B6-93AF-4DB8-9C6B-D6C7DFDC589F}" vid="{4A3C46E8-61CC-4603-A589-7422A47A8E4A}"/>
+      <thm15:themeFamily xmlns:thm15="http://schemas.microsoft.com/office/thememl/2012/main" name="Office Theme" id="{62F939B6-93AF-4DB8-9C6B-D6C7DFDC589F}" vid="{4A3C46E8-61CC-4603-A589-7422A47A8E4A}"/>
     </a:ext>
   </a:extLst>
 </a:theme>
